--- a/Aplikacje internetowe.pptx
+++ b/Aplikacje internetowe.pptx
@@ -4870,7 +4870,7 @@
           <a:p>
             <a:r>
               <a:rPr lang="pl-PL" dirty="0"/>
-              <a:t>Może aktualizować i zmieniać zarówno kod HTML, jak i CSS. </a:t>
+              <a:t>Może aktualizować i zmieniać zarówno kod HTML, jak i CSS.*</a:t>
             </a:r>
           </a:p>
           <a:p>
@@ -4878,6 +4878,32 @@
               <a:rPr lang="pl-PL" dirty="0"/>
               <a:t>Może obliczać, przetwarzać i weryfikować dane.</a:t>
             </a:r>
+          </a:p>
+          <a:p>
+            <a:pPr marL="0" indent="0">
+              <a:buNone/>
+            </a:pPr>
+            <a:endParaRPr lang="pl-PL" dirty="0"/>
+          </a:p>
+          <a:p>
+            <a:pPr marL="0" indent="0">
+              <a:buNone/>
+            </a:pPr>
+            <a:endParaRPr lang="pl-PL" dirty="0"/>
+          </a:p>
+          <a:p>
+            <a:pPr marL="0" indent="0">
+              <a:buNone/>
+            </a:pPr>
+            <a:r>
+              <a:rPr lang="pl-PL" dirty="0"/>
+              <a:t>*</a:t>
+            </a:r>
+            <a:r>
+              <a:rPr lang="pl-PL"/>
+              <a:t>Przykłady JS1</a:t>
+            </a:r>
+            <a:endParaRPr lang="pl-PL" dirty="0"/>
           </a:p>
         </p:txBody>
       </p:sp>

--- a/Aplikacje internetowe.pptx
+++ b/Aplikacje internetowe.pptx
@@ -10,6 +10,7 @@
     <p:sldId id="258" r:id="rId4"/>
     <p:sldId id="259" r:id="rId5"/>
     <p:sldId id="260" r:id="rId6"/>
+    <p:sldId id="261" r:id="rId7"/>
   </p:sldIdLst>
   <p:sldSz cx="12192000" cy="6858000"/>
   <p:notesSz cx="6858000" cy="9144000"/>
@@ -272,7 +273,7 @@
           <a:p>
             <a:fld id="{6444479B-705B-4489-957E-7E8A228BDFA0}" type="datetime1">
               <a:rPr lang="en-US" smtClean="0"/>
-              <a:t>9/5/2025</a:t>
+              <a:t>9/7/2025</a:t>
             </a:fld>
             <a:endParaRPr lang="en-US"/>
           </a:p>
@@ -472,7 +473,7 @@
           <a:p>
             <a:fld id="{C07B66AD-7C08-490A-ADA4-B47E10FB2407}" type="datetime1">
               <a:rPr lang="en-US" smtClean="0"/>
-              <a:t>9/5/2025</a:t>
+              <a:t>9/7/2025</a:t>
             </a:fld>
             <a:endParaRPr lang="en-US"/>
           </a:p>
@@ -731,7 +732,7 @@
           <a:p>
             <a:fld id="{05B95027-4255-49E7-9841-CD21BCC99996}" type="datetime1">
               <a:rPr lang="en-US" smtClean="0"/>
-              <a:t>9/5/2025</a:t>
+              <a:t>9/7/2025</a:t>
             </a:fld>
             <a:endParaRPr lang="en-US"/>
           </a:p>
@@ -972,7 +973,7 @@
           <a:p>
             <a:fld id="{9F89F774-3FA6-43B8-9241-99959C8FD463}" type="datetime1">
               <a:rPr lang="en-US" smtClean="0"/>
-              <a:t>9/5/2025</a:t>
+              <a:t>9/7/2025</a:t>
             </a:fld>
             <a:endParaRPr lang="en-US"/>
           </a:p>
@@ -1299,7 +1300,7 @@
           <a:p>
             <a:fld id="{F9504452-5DCC-4FE2-A5C9-8A5EF6714D65}" type="datetime1">
               <a:rPr lang="en-US" smtClean="0"/>
-              <a:t>9/5/2025</a:t>
+              <a:t>9/7/2025</a:t>
             </a:fld>
             <a:endParaRPr lang="en-US"/>
           </a:p>
@@ -1609,7 +1610,7 @@
           <a:p>
             <a:fld id="{E579ABC2-0180-4F3A-A895-A85BC724D472}" type="datetime1">
               <a:rPr lang="en-US" smtClean="0"/>
-              <a:t>9/5/2025</a:t>
+              <a:t>9/7/2025</a:t>
             </a:fld>
             <a:endParaRPr lang="en-US"/>
           </a:p>
@@ -2027,7 +2028,7 @@
           <a:p>
             <a:fld id="{6AEEA9BA-4E8F-439E-BEA4-91FBA01E3F5F}" type="datetime1">
               <a:rPr lang="en-US" smtClean="0"/>
-              <a:t>9/5/2025</a:t>
+              <a:t>9/7/2025</a:t>
             </a:fld>
             <a:endParaRPr lang="en-US"/>
           </a:p>
@@ -2169,7 +2170,7 @@
           <a:p>
             <a:fld id="{BE15BF18-0007-481C-AA29-413124BC3EE7}" type="datetime1">
               <a:rPr lang="en-US" smtClean="0"/>
-              <a:t>9/5/2025</a:t>
+              <a:t>9/7/2025</a:t>
             </a:fld>
             <a:endParaRPr lang="en-US"/>
           </a:p>
@@ -2331,7 +2332,7 @@
           <a:p>
             <a:fld id="{09BE9870-3748-43AD-B547-02A075CB4A1D}" type="datetime1">
               <a:rPr lang="en-US" smtClean="0"/>
-              <a:t>9/5/2025</a:t>
+              <a:t>9/7/2025</a:t>
             </a:fld>
             <a:endParaRPr lang="en-US"/>
           </a:p>
@@ -2648,7 +2649,7 @@
           <a:p>
             <a:fld id="{558E7897-33C5-4F1A-9307-D068E37F3DC7}" type="datetime1">
               <a:rPr lang="en-US" smtClean="0"/>
-              <a:t>9/5/2025</a:t>
+              <a:t>9/7/2025</a:t>
             </a:fld>
             <a:endParaRPr lang="en-US"/>
           </a:p>
@@ -2943,7 +2944,7 @@
           <a:p>
             <a:fld id="{82E171BA-CC09-47C8-A6DF-F5C5CB59CEEC}" type="datetime1">
               <a:rPr lang="en-US" smtClean="0"/>
-              <a:t>9/5/2025</a:t>
+              <a:t>9/7/2025</a:t>
             </a:fld>
             <a:endParaRPr lang="en-US"/>
           </a:p>
@@ -3184,7 +3185,7 @@
           <a:p>
             <a:fld id="{7DA38F49-B3E2-4BF0-BEC7-C30D34ABBB8D}" type="datetime1">
               <a:rPr lang="en-US" smtClean="0"/>
-              <a:t>9/5/2025</a:t>
+              <a:t>9/7/2025</a:t>
             </a:fld>
             <a:endParaRPr lang="en-US"/>
           </a:p>
@@ -4923,6 +4924,14 @@
 <file path=ppt/slides/slide5.xml><?xml version="1.0" encoding="utf-8"?>
 <p:sld xmlns:a="http://schemas.openxmlformats.org/drawingml/2006/main" xmlns:r="http://schemas.openxmlformats.org/officeDocument/2006/relationships" xmlns:p="http://schemas.openxmlformats.org/presentationml/2006/main">
   <p:cSld>
+    <p:bg>
+      <p:bgPr>
+        <a:solidFill>
+          <a:schemeClr val="bg1"/>
+        </a:solidFill>
+        <a:effectLst/>
+      </p:bgPr>
+    </p:bg>
     <p:spTree>
       <p:nvGrpSpPr>
         <p:cNvPr id="1" name=""/>
@@ -4937,6 +4946,82 @@
           <a:chExt cx="0" cy="0"/>
         </a:xfrm>
       </p:grpSpPr>
+      <p:sp useBgFill="1">
+        <p:nvSpPr>
+          <p:cNvPr id="9" name="Rectangle 8">
+            <a:extLst>
+              <a:ext uri="{FF2B5EF4-FFF2-40B4-BE49-F238E27FC236}">
+                <a16:creationId xmlns:a16="http://schemas.microsoft.com/office/drawing/2014/main" id="{744CAA32-F237-419C-A2DD-43C28D920D3C}"/>
+              </a:ext>
+              <a:ext uri="{C183D7F6-B498-43B3-948B-1728B52AA6E4}">
+                <adec:decorative xmlns:adec="http://schemas.microsoft.com/office/drawing/2017/decorative" val="1"/>
+              </a:ext>
+            </a:extLst>
+          </p:cNvPr>
+          <p:cNvSpPr>
+            <a:spLocks noGrp="1" noRot="1" noChangeAspect="1" noMove="1" noResize="1" noEditPoints="1" noAdjustHandles="1" noChangeArrowheads="1" noChangeShapeType="1" noTextEdit="1"/>
+          </p:cNvSpPr>
+          <p:nvPr>
+            <p:extLst>
+              <p:ext uri="{386F3935-93C4-4BCD-93E2-E3B085C9AB24}">
+                <p16:designElem xmlns:p16="http://schemas.microsoft.com/office/powerpoint/2015/main" val="1"/>
+              </p:ext>
+            </p:extLst>
+          </p:nvPr>
+        </p:nvSpPr>
+        <p:spPr>
+          <a:xfrm>
+            <a:off x="0" y="0"/>
+            <a:ext cx="12192000" cy="6858000"/>
+          </a:xfrm>
+          <a:prstGeom prst="rect">
+            <a:avLst/>
+          </a:prstGeom>
+          <a:ln w="12700" cap="flat" cmpd="sng" algn="ctr">
+            <a:noFill/>
+            <a:prstDash val="solid"/>
+            <a:miter lim="800000"/>
+          </a:ln>
+          <a:effectLst/>
+          <a:extLst>
+            <a:ext uri="{91240B29-F687-4F45-9708-019B960494DF}">
+              <a14:hiddenLine xmlns:a14="http://schemas.microsoft.com/office/drawing/2010/main" w="12700" cap="flat" cmpd="sng" algn="ctr">
+                <a:solidFill>
+                  <a:schemeClr val="accent1">
+                    <a:shade val="50000"/>
+                  </a:schemeClr>
+                </a:solidFill>
+                <a:prstDash val="solid"/>
+                <a:miter lim="800000"/>
+              </a14:hiddenLine>
+            </a:ext>
+          </a:extLst>
+        </p:spPr>
+        <p:style>
+          <a:lnRef idx="2">
+            <a:schemeClr val="accent1">
+              <a:shade val="50000"/>
+            </a:schemeClr>
+          </a:lnRef>
+          <a:fillRef idx="1">
+            <a:schemeClr val="accent1"/>
+          </a:fillRef>
+          <a:effectRef idx="0">
+            <a:schemeClr val="accent1"/>
+          </a:effectRef>
+          <a:fontRef idx="minor">
+            <a:schemeClr val="lt1"/>
+          </a:fontRef>
+        </p:style>
+        <p:txBody>
+          <a:bodyPr rtlCol="0" anchor="ctr"/>
+          <a:lstStyle/>
+          <a:p>
+            <a:pPr algn="ctr"/>
+            <a:endParaRPr lang="en-US"/>
+          </a:p>
+        </p:txBody>
+      </p:sp>
       <p:sp>
         <p:nvSpPr>
           <p:cNvPr id="2" name="Tytuł 1">
@@ -4953,15 +5038,78 @@
             <p:ph type="title"/>
           </p:nvPr>
         </p:nvSpPr>
-        <p:spPr/>
-        <p:txBody>
-          <a:bodyPr/>
-          <a:lstStyle/>
-          <a:p>
-            <a:endParaRPr lang="pl-PL" dirty="0"/>
-          </a:p>
-        </p:txBody>
-      </p:sp>
+        <p:spPr>
+          <a:xfrm>
+            <a:off x="640080" y="1371600"/>
+            <a:ext cx="5852160" cy="1097280"/>
+          </a:xfrm>
+        </p:spPr>
+        <p:txBody>
+          <a:bodyPr anchor="t">
+            <a:normAutofit/>
+          </a:bodyPr>
+          <a:lstStyle/>
+          <a:p>
+            <a:pPr>
+              <a:lnSpc>
+                <a:spcPct val="90000"/>
+              </a:lnSpc>
+            </a:pPr>
+            <a:r>
+              <a:rPr lang="pl-PL" sz="3400"/>
+              <a:t>Gdzie umieszczać kod JavaScript?</a:t>
+            </a:r>
+          </a:p>
+        </p:txBody>
+      </p:sp>
+      <p:cxnSp>
+        <p:nvCxnSpPr>
+          <p:cNvPr id="11" name="Straight Connector 10">
+            <a:extLst>
+              <a:ext uri="{FF2B5EF4-FFF2-40B4-BE49-F238E27FC236}">
+                <a16:creationId xmlns:a16="http://schemas.microsoft.com/office/drawing/2014/main" id="{753FE100-D0AB-4AE2-824B-60CFA31EC6A2}"/>
+              </a:ext>
+              <a:ext uri="{C183D7F6-B498-43B3-948B-1728B52AA6E4}">
+                <adec:decorative xmlns:adec="http://schemas.microsoft.com/office/drawing/2017/decorative" val="1"/>
+              </a:ext>
+            </a:extLst>
+          </p:cNvPr>
+          <p:cNvCxnSpPr>
+            <a:cxnSpLocks noGrp="1" noRot="1" noChangeAspect="1" noMove="1" noResize="1" noEditPoints="1" noAdjustHandles="1" noChangeArrowheads="1" noChangeShapeType="1"/>
+          </p:cNvCxnSpPr>
+          <p:nvPr>
+            <p:extLst>
+              <p:ext uri="{386F3935-93C4-4BCD-93E2-E3B085C9AB24}">
+                <p16:designElem xmlns:p16="http://schemas.microsoft.com/office/powerpoint/2015/main" val="1"/>
+              </p:ext>
+            </p:extLst>
+          </p:nvPr>
+        </p:nvCxnSpPr>
+        <p:spPr>
+          <a:xfrm>
+            <a:off x="716281" y="1031001"/>
+            <a:ext cx="978862" cy="0"/>
+          </a:xfrm>
+          <a:prstGeom prst="line">
+            <a:avLst/>
+          </a:prstGeom>
+          <a:ln w="76200"/>
+        </p:spPr>
+        <p:style>
+          <a:lnRef idx="1">
+            <a:schemeClr val="accent1"/>
+          </a:lnRef>
+          <a:fillRef idx="0">
+            <a:schemeClr val="accent1"/>
+          </a:fillRef>
+          <a:effectRef idx="0">
+            <a:schemeClr val="accent1"/>
+          </a:effectRef>
+          <a:fontRef idx="minor">
+            <a:schemeClr val="tx1"/>
+          </a:fontRef>
+        </p:style>
+      </p:cxnSp>
       <p:sp>
         <p:nvSpPr>
           <p:cNvPr id="3" name="Symbol zastępczy zawartości 2">
@@ -4978,19 +5126,221 @@
             <p:ph idx="1"/>
           </p:nvPr>
         </p:nvSpPr>
-        <p:spPr/>
-        <p:txBody>
-          <a:bodyPr/>
-          <a:lstStyle/>
-          <a:p>
-            <a:endParaRPr lang="pl-PL" dirty="0"/>
-          </a:p>
-        </p:txBody>
-      </p:sp>
+        <p:spPr>
+          <a:xfrm>
+            <a:off x="640080" y="2633236"/>
+            <a:ext cx="5852160" cy="3664685"/>
+          </a:xfrm>
+        </p:spPr>
+        <p:txBody>
+          <a:bodyPr>
+            <a:normAutofit/>
+          </a:bodyPr>
+          <a:lstStyle/>
+          <a:p>
+            <a:pPr>
+              <a:lnSpc>
+                <a:spcPct val="110000"/>
+              </a:lnSpc>
+            </a:pPr>
+            <a:r>
+              <a:rPr lang="pl-PL" sz="1900" dirty="0"/>
+              <a:t>W HTML kod JavaScript wstawiany jest pomiędzy znaczniki &lt;</a:t>
+            </a:r>
+            <a:r>
+              <a:rPr lang="pl-PL" sz="1900" dirty="0" err="1"/>
+              <a:t>script</a:t>
+            </a:r>
+            <a:r>
+              <a:rPr lang="pl-PL" sz="1900" dirty="0"/>
+              <a:t>&gt; i &lt;/</a:t>
+            </a:r>
+            <a:r>
+              <a:rPr lang="pl-PL" sz="1900" dirty="0" err="1"/>
+              <a:t>script</a:t>
+            </a:r>
+            <a:r>
+              <a:rPr lang="pl-PL" sz="1900" dirty="0"/>
+              <a:t>&gt;.</a:t>
+            </a:r>
+          </a:p>
+          <a:p>
+            <a:pPr>
+              <a:lnSpc>
+                <a:spcPct val="110000"/>
+              </a:lnSpc>
+            </a:pPr>
+            <a:r>
+              <a:rPr lang="pl-PL" sz="1900" dirty="0"/>
+              <a:t>Funkcje i zdarzenia JavaScript - Funkcja JavaScript to blok kodu JavaScript, który może zostać wykonany po „wywołaniu”.</a:t>
+            </a:r>
+          </a:p>
+          <a:p>
+            <a:pPr>
+              <a:lnSpc>
+                <a:spcPct val="110000"/>
+              </a:lnSpc>
+            </a:pPr>
+            <a:r>
+              <a:rPr lang="pl-PL" sz="1900" dirty="0"/>
+              <a:t>Skrypty można umieszczać dowolną ilość skryptów w sekcjach &lt;body&gt; lub &lt;</a:t>
+            </a:r>
+            <a:r>
+              <a:rPr lang="pl-PL" sz="1900" dirty="0" err="1"/>
+              <a:t>head</a:t>
+            </a:r>
+            <a:r>
+              <a:rPr lang="pl-PL" sz="1900" dirty="0"/>
+              <a:t>&gt; strony HTML.</a:t>
+            </a:r>
+          </a:p>
+          <a:p>
+            <a:pPr>
+              <a:lnSpc>
+                <a:spcPct val="110000"/>
+              </a:lnSpc>
+            </a:pPr>
+            <a:r>
+              <a:rPr lang="pl-PL" sz="1900" dirty="0"/>
+              <a:t>Zewnętrzne pliki JavaScript</a:t>
+            </a:r>
+          </a:p>
+          <a:p>
+            <a:pPr>
+              <a:lnSpc>
+                <a:spcPct val="110000"/>
+              </a:lnSpc>
+            </a:pPr>
+            <a:r>
+              <a:rPr lang="pl-PL" sz="1900" dirty="0"/>
+              <a:t>Odwołania zewnętrzne</a:t>
+            </a:r>
+          </a:p>
+          <a:p>
+            <a:pPr>
+              <a:lnSpc>
+                <a:spcPct val="110000"/>
+              </a:lnSpc>
+            </a:pPr>
+            <a:endParaRPr lang="pl-PL" sz="1900" dirty="0"/>
+          </a:p>
+        </p:txBody>
+      </p:sp>
+      <p:pic>
+        <p:nvPicPr>
+          <p:cNvPr id="5" name="Picture 4" descr="Skrypt komputerowy na ekranie">
+            <a:extLst>
+              <a:ext uri="{FF2B5EF4-FFF2-40B4-BE49-F238E27FC236}">
+                <a16:creationId xmlns:a16="http://schemas.microsoft.com/office/drawing/2014/main" id="{72686426-48E6-2281-C9AE-7CCAF2F7D46F}"/>
+              </a:ext>
+            </a:extLst>
+          </p:cNvPr>
+          <p:cNvPicPr>
+            <a:picLocks noChangeAspect="1"/>
+          </p:cNvPicPr>
+          <p:nvPr/>
+        </p:nvPicPr>
+        <p:blipFill>
+          <a:blip r:embed="rId2"/>
+          <a:srcRect l="6528" r="46301" b="-1"/>
+          <a:stretch>
+            <a:fillRect/>
+          </a:stretch>
+        </p:blipFill>
+        <p:spPr>
+          <a:xfrm>
+            <a:off x="7345680" y="10"/>
+            <a:ext cx="4846320" cy="6857990"/>
+          </a:xfrm>
+          <a:prstGeom prst="rect">
+            <a:avLst/>
+          </a:prstGeom>
+        </p:spPr>
+      </p:pic>
     </p:spTree>
     <p:extLst>
       <p:ext uri="{BB962C8B-B14F-4D97-AF65-F5344CB8AC3E}">
         <p14:creationId xmlns:p14="http://schemas.microsoft.com/office/powerpoint/2010/main" val="3345771655"/>
+      </p:ext>
+    </p:extLst>
+  </p:cSld>
+  <p:clrMapOvr>
+    <a:masterClrMapping/>
+  </p:clrMapOvr>
+</p:sld>
+</file>
+
+<file path=ppt/slides/slide6.xml><?xml version="1.0" encoding="utf-8"?>
+<p:sld xmlns:a="http://schemas.openxmlformats.org/drawingml/2006/main" xmlns:r="http://schemas.openxmlformats.org/officeDocument/2006/relationships" xmlns:p="http://schemas.openxmlformats.org/presentationml/2006/main">
+  <p:cSld>
+    <p:spTree>
+      <p:nvGrpSpPr>
+        <p:cNvPr id="1" name=""/>
+        <p:cNvGrpSpPr/>
+        <p:nvPr/>
+      </p:nvGrpSpPr>
+      <p:grpSpPr>
+        <a:xfrm>
+          <a:off x="0" y="0"/>
+          <a:ext cx="0" cy="0"/>
+          <a:chOff x="0" y="0"/>
+          <a:chExt cx="0" cy="0"/>
+        </a:xfrm>
+      </p:grpSpPr>
+      <p:sp>
+        <p:nvSpPr>
+          <p:cNvPr id="2" name="Tytuł 1">
+            <a:extLst>
+              <a:ext uri="{FF2B5EF4-FFF2-40B4-BE49-F238E27FC236}">
+                <a16:creationId xmlns:a16="http://schemas.microsoft.com/office/drawing/2014/main" id="{0D15C9EF-C99F-9F5C-EF0C-4EC5FA95C400}"/>
+              </a:ext>
+            </a:extLst>
+          </p:cNvPr>
+          <p:cNvSpPr>
+            <a:spLocks noGrp="1"/>
+          </p:cNvSpPr>
+          <p:nvPr>
+            <p:ph type="title"/>
+          </p:nvPr>
+        </p:nvSpPr>
+        <p:spPr/>
+        <p:txBody>
+          <a:bodyPr/>
+          <a:lstStyle/>
+          <a:p>
+            <a:endParaRPr lang="pl-PL"/>
+          </a:p>
+        </p:txBody>
+      </p:sp>
+      <p:sp>
+        <p:nvSpPr>
+          <p:cNvPr id="3" name="Symbol zastępczy zawartości 2">
+            <a:extLst>
+              <a:ext uri="{FF2B5EF4-FFF2-40B4-BE49-F238E27FC236}">
+                <a16:creationId xmlns:a16="http://schemas.microsoft.com/office/drawing/2014/main" id="{8FC46AB5-C330-6A13-A35D-B28AA0C9772A}"/>
+              </a:ext>
+            </a:extLst>
+          </p:cNvPr>
+          <p:cNvSpPr>
+            <a:spLocks noGrp="1"/>
+          </p:cNvSpPr>
+          <p:nvPr>
+            <p:ph idx="1"/>
+          </p:nvPr>
+        </p:nvSpPr>
+        <p:spPr/>
+        <p:txBody>
+          <a:bodyPr/>
+          <a:lstStyle/>
+          <a:p>
+            <a:endParaRPr lang="pl-PL"/>
+          </a:p>
+        </p:txBody>
+      </p:sp>
+    </p:spTree>
+    <p:extLst>
+      <p:ext uri="{BB962C8B-B14F-4D97-AF65-F5344CB8AC3E}">
+        <p14:creationId xmlns:p14="http://schemas.microsoft.com/office/powerpoint/2010/main" val="3313128827"/>
       </p:ext>
     </p:extLst>
   </p:cSld>

--- a/Aplikacje internetowe.pptx
+++ b/Aplikacje internetowe.pptx
@@ -3377,7 +3377,7 @@
         <a:p>
           <a:r>
             <a:rPr lang="pl-PL" dirty="0"/>
-            <a:t>==, ===, !=, !==, &lt;, &lt;=, &gt;, =&gt; </a:t>
+            <a:t>==, ===, !=, !==, &lt;, &lt;=, &gt;, &gt;= </a:t>
           </a:r>
         </a:p>
         <a:p>
@@ -5263,7 +5263,7 @@
           </a:pPr>
           <a:r>
             <a:rPr lang="pl-PL" sz="1700" kern="1200" dirty="0"/>
-            <a:t>==, ===, !=, !==, &lt;, &lt;=, &gt;, =&gt; </a:t>
+            <a:t>==, ===, !=, !==, &lt;, &lt;=, &gt;, &gt;= </a:t>
           </a:r>
         </a:p>
         <a:p>
@@ -9687,7 +9687,7 @@
           <a:p>
             <a:fld id="{6444479B-705B-4489-957E-7E8A228BDFA0}" type="datetime1">
               <a:rPr lang="en-US" smtClean="0"/>
-              <a:t>9/7/2025</a:t>
+              <a:t>9/8/2025</a:t>
             </a:fld>
             <a:endParaRPr lang="en-US"/>
           </a:p>
@@ -9887,7 +9887,7 @@
           <a:p>
             <a:fld id="{C07B66AD-7C08-490A-ADA4-B47E10FB2407}" type="datetime1">
               <a:rPr lang="en-US" smtClean="0"/>
-              <a:t>9/7/2025</a:t>
+              <a:t>9/8/2025</a:t>
             </a:fld>
             <a:endParaRPr lang="en-US"/>
           </a:p>
@@ -10146,7 +10146,7 @@
           <a:p>
             <a:fld id="{05B95027-4255-49E7-9841-CD21BCC99996}" type="datetime1">
               <a:rPr lang="en-US" smtClean="0"/>
-              <a:t>9/7/2025</a:t>
+              <a:t>9/8/2025</a:t>
             </a:fld>
             <a:endParaRPr lang="en-US"/>
           </a:p>
@@ -10387,7 +10387,7 @@
           <a:p>
             <a:fld id="{9F89F774-3FA6-43B8-9241-99959C8FD463}" type="datetime1">
               <a:rPr lang="en-US" smtClean="0"/>
-              <a:t>9/7/2025</a:t>
+              <a:t>9/8/2025</a:t>
             </a:fld>
             <a:endParaRPr lang="en-US"/>
           </a:p>
@@ -10714,7 +10714,7 @@
           <a:p>
             <a:fld id="{F9504452-5DCC-4FE2-A5C9-8A5EF6714D65}" type="datetime1">
               <a:rPr lang="en-US" smtClean="0"/>
-              <a:t>9/7/2025</a:t>
+              <a:t>9/8/2025</a:t>
             </a:fld>
             <a:endParaRPr lang="en-US"/>
           </a:p>
@@ -11024,7 +11024,7 @@
           <a:p>
             <a:fld id="{E579ABC2-0180-4F3A-A895-A85BC724D472}" type="datetime1">
               <a:rPr lang="en-US" smtClean="0"/>
-              <a:t>9/7/2025</a:t>
+              <a:t>9/8/2025</a:t>
             </a:fld>
             <a:endParaRPr lang="en-US"/>
           </a:p>
@@ -11442,7 +11442,7 @@
           <a:p>
             <a:fld id="{6AEEA9BA-4E8F-439E-BEA4-91FBA01E3F5F}" type="datetime1">
               <a:rPr lang="en-US" smtClean="0"/>
-              <a:t>9/7/2025</a:t>
+              <a:t>9/8/2025</a:t>
             </a:fld>
             <a:endParaRPr lang="en-US"/>
           </a:p>
@@ -11584,7 +11584,7 @@
           <a:p>
             <a:fld id="{BE15BF18-0007-481C-AA29-413124BC3EE7}" type="datetime1">
               <a:rPr lang="en-US" smtClean="0"/>
-              <a:t>9/7/2025</a:t>
+              <a:t>9/8/2025</a:t>
             </a:fld>
             <a:endParaRPr lang="en-US"/>
           </a:p>
@@ -11746,7 +11746,7 @@
           <a:p>
             <a:fld id="{09BE9870-3748-43AD-B547-02A075CB4A1D}" type="datetime1">
               <a:rPr lang="en-US" smtClean="0"/>
-              <a:t>9/7/2025</a:t>
+              <a:t>9/8/2025</a:t>
             </a:fld>
             <a:endParaRPr lang="en-US"/>
           </a:p>
@@ -12063,7 +12063,7 @@
           <a:p>
             <a:fld id="{558E7897-33C5-4F1A-9307-D068E37F3DC7}" type="datetime1">
               <a:rPr lang="en-US" smtClean="0"/>
-              <a:t>9/7/2025</a:t>
+              <a:t>9/8/2025</a:t>
             </a:fld>
             <a:endParaRPr lang="en-US"/>
           </a:p>
@@ -12358,7 +12358,7 @@
           <a:p>
             <a:fld id="{82E171BA-CC09-47C8-A6DF-F5C5CB59CEEC}" type="datetime1">
               <a:rPr lang="en-US" smtClean="0"/>
-              <a:t>9/7/2025</a:t>
+              <a:t>9/8/2025</a:t>
             </a:fld>
             <a:endParaRPr lang="en-US"/>
           </a:p>
@@ -12599,7 +12599,7 @@
           <a:p>
             <a:fld id="{7DA38F49-B3E2-4BF0-BEC7-C30D34ABBB8D}" type="datetime1">
               <a:rPr lang="en-US" smtClean="0"/>
-              <a:t>9/7/2025</a:t>
+              <a:t>9/8/2025</a:t>
             </a:fld>
             <a:endParaRPr lang="en-US"/>
           </a:p>
@@ -13518,7 +13518,7 @@
             <p:ph idx="1"/>
             <p:extLst>
               <p:ext uri="{D42A27DB-BD31-4B8C-83A1-F6EECF244321}">
-                <p14:modId xmlns:p14="http://schemas.microsoft.com/office/powerpoint/2010/main" val="2786818132"/>
+                <p14:modId xmlns:p14="http://schemas.microsoft.com/office/powerpoint/2010/main" val="3816971466"/>
               </p:ext>
             </p:extLst>
           </p:nvPr>
@@ -14289,7 +14289,7 @@
         <p:spPr>
           <a:xfrm>
             <a:off x="8719126" y="979051"/>
-            <a:ext cx="2811879" cy="1807048"/>
+            <a:ext cx="3138577" cy="1807048"/>
           </a:xfrm>
         </p:spPr>
         <p:txBody>
@@ -14299,7 +14299,7 @@
           <a:lstStyle/>
           <a:p>
             <a:r>
-              <a:rPr lang="pl-PL" sz="2800"/>
+              <a:rPr lang="pl-PL" sz="2800" dirty="0"/>
               <a:t>Programowanie</a:t>
             </a:r>
           </a:p>
